--- a/MDS 564 - Twitter NLP Text Analysis/Client Presentation.pptx
+++ b/MDS 564 - Twitter NLP Text Analysis/Client Presentation.pptx
@@ -16,9 +16,10 @@
     <p:sldId id="261" r:id="rId10"/>
     <p:sldId id="262" r:id="rId11"/>
     <p:sldId id="263" r:id="rId12"/>
-    <p:sldId id="264" r:id="rId13"/>
-    <p:sldId id="265" r:id="rId14"/>
-    <p:sldId id="270" r:id="rId15"/>
+    <p:sldId id="272" r:id="rId13"/>
+    <p:sldId id="264" r:id="rId14"/>
+    <p:sldId id="265" r:id="rId15"/>
+    <p:sldId id="270" r:id="rId16"/>
   </p:sldIdLst>
   <p:sldSz cx="12192000" cy="6858000"/>
   <p:notesSz cx="6858000" cy="9144000"/>
@@ -117,13 +118,18 @@
       </a:defRPr>
     </a:lvl9pPr>
   </p:defaultTextStyle>
+  <p:extLst>
+    <p:ext uri="{EFAFB233-063F-42B5-8137-9DF3F51BA10A}">
+      <p15:sldGuideLst xmlns:p15="http://schemas.microsoft.com/office/powerpoint/2012/main"/>
+    </p:ext>
+  </p:extLst>
 </p:presentation>
 </file>
 
 <file path=ppt/revisionInfo.xml><?xml version="1.0" encoding="utf-8"?>
 <p1510:revInfo xmlns:a="http://schemas.openxmlformats.org/drawingml/2006/main" xmlns:r="http://schemas.openxmlformats.org/officeDocument/2006/relationships" xmlns:p1510="http://schemas.microsoft.com/office/powerpoint/2015/10/main">
   <p1510:revLst>
-    <p1510:client id="{ADB664B6-92CB-4667-8FF4-756A64587659}" v="29" dt="2020-03-17T19:19:21.942"/>
+    <p1510:client id="{ADB664B6-92CB-4667-8FF4-756A64587659}" v="30" dt="2020-03-18T20:35:57.773"/>
   </p1510:revLst>
 </p1510:revInfo>
 </file>
@@ -133,7 +139,7 @@
   <pc:docChgLst>
     <pc:chgData name=" " userId="886d1fcb0e1fdeb1" providerId="LiveId" clId="{ADB664B6-92CB-4667-8FF4-756A64587659}"/>
     <pc:docChg chg="undo custSel mod addSld delSld modSld">
-      <pc:chgData name=" " userId="886d1fcb0e1fdeb1" providerId="LiveId" clId="{ADB664B6-92CB-4667-8FF4-756A64587659}" dt="2020-03-17T19:19:22.772" v="4734" actId="313"/>
+      <pc:chgData name=" " userId="886d1fcb0e1fdeb1" providerId="LiveId" clId="{ADB664B6-92CB-4667-8FF4-756A64587659}" dt="2020-03-18T20:58:09.945" v="6983" actId="255"/>
       <pc:docMkLst>
         <pc:docMk/>
       </pc:docMkLst>
@@ -528,6 +534,29 @@
           </ac:spMkLst>
         </pc:spChg>
       </pc:sldChg>
+      <pc:sldChg chg="delSp modSp add mod">
+        <pc:chgData name=" " userId="886d1fcb0e1fdeb1" providerId="LiveId" clId="{ADB664B6-92CB-4667-8FF4-756A64587659}" dt="2020-03-18T20:58:09.945" v="6983" actId="255"/>
+        <pc:sldMkLst>
+          <pc:docMk/>
+          <pc:sldMk cId="3632978592" sldId="272"/>
+        </pc:sldMkLst>
+        <pc:spChg chg="del">
+          <ac:chgData name=" " userId="886d1fcb0e1fdeb1" providerId="LiveId" clId="{ADB664B6-92CB-4667-8FF4-756A64587659}" dt="2020-03-18T20:36:26.487" v="4736" actId="478"/>
+          <ac:spMkLst>
+            <pc:docMk/>
+            <pc:sldMk cId="3632978592" sldId="272"/>
+            <ac:spMk id="2" creationId="{A270C05A-FA8B-4B21-943B-BC9416BBAEEB}"/>
+          </ac:spMkLst>
+        </pc:spChg>
+        <pc:spChg chg="mod">
+          <ac:chgData name=" " userId="886d1fcb0e1fdeb1" providerId="LiveId" clId="{ADB664B6-92CB-4667-8FF4-756A64587659}" dt="2020-03-18T20:58:09.945" v="6983" actId="255"/>
+          <ac:spMkLst>
+            <pc:docMk/>
+            <pc:sldMk cId="3632978592" sldId="272"/>
+            <ac:spMk id="3" creationId="{1B64EDA3-E1E4-4C1A-8D70-D5452DEBBC3C}"/>
+          </ac:spMkLst>
+        </pc:spChg>
+      </pc:sldChg>
     </pc:docChg>
   </pc:docChgLst>
 </pc:chgInfo>
@@ -703,7 +732,7 @@
           <a:p>
             <a:fld id="{48A87A34-81AB-432B-8DAE-1953F412C126}" type="datetimeFigureOut">
               <a:rPr lang="en-US" dirty="0"/>
-              <a:t>3/17/2020</a:t>
+              <a:t>3/18/2020</a:t>
             </a:fld>
             <a:endParaRPr lang="en-US" dirty="0"/>
           </a:p>
@@ -965,7 +994,7 @@
           <a:p>
             <a:fld id="{48A87A34-81AB-432B-8DAE-1953F412C126}" type="datetimeFigureOut">
               <a:rPr lang="en-US" dirty="0"/>
-              <a:t>3/17/2020</a:t>
+              <a:t>3/18/2020</a:t>
             </a:fld>
             <a:endParaRPr lang="en-US" dirty="0"/>
           </a:p>
@@ -1192,7 +1221,7 @@
             <a:fld id="{48A87A34-81AB-432B-8DAE-1953F412C126}" type="datetimeFigureOut">
               <a:rPr lang="en-US" dirty="0"/>
               <a:pPr/>
-              <a:t>3/17/2020</a:t>
+              <a:t>3/18/2020</a:t>
             </a:fld>
             <a:endParaRPr lang="en-US" dirty="0"/>
           </a:p>
@@ -1498,7 +1527,7 @@
             <a:fld id="{48A87A34-81AB-432B-8DAE-1953F412C126}" type="datetimeFigureOut">
               <a:rPr lang="en-US" dirty="0"/>
               <a:pPr/>
-              <a:t>3/17/2020</a:t>
+              <a:t>3/18/2020</a:t>
             </a:fld>
             <a:endParaRPr lang="en-US" dirty="0"/>
           </a:p>
@@ -1967,7 +1996,7 @@
             <a:fld id="{48A87A34-81AB-432B-8DAE-1953F412C126}" type="datetimeFigureOut">
               <a:rPr lang="en-US" dirty="0"/>
               <a:pPr/>
-              <a:t>3/17/2020</a:t>
+              <a:t>3/18/2020</a:t>
             </a:fld>
             <a:endParaRPr lang="en-US" dirty="0"/>
           </a:p>
@@ -2509,7 +2538,7 @@
           <a:p>
             <a:fld id="{48A87A34-81AB-432B-8DAE-1953F412C126}" type="datetimeFigureOut">
               <a:rPr lang="en-US" dirty="0"/>
-              <a:t>3/17/2020</a:t>
+              <a:t>3/18/2020</a:t>
             </a:fld>
             <a:endParaRPr lang="en-US" dirty="0"/>
           </a:p>
@@ -3278,7 +3307,7 @@
           <a:p>
             <a:fld id="{48A87A34-81AB-432B-8DAE-1953F412C126}" type="datetimeFigureOut">
               <a:rPr lang="en-US" dirty="0"/>
-              <a:t>3/17/2020</a:t>
+              <a:t>3/18/2020</a:t>
             </a:fld>
             <a:endParaRPr lang="en-US" dirty="0"/>
           </a:p>
@@ -3448,7 +3477,7 @@
           <a:p>
             <a:fld id="{48A87A34-81AB-432B-8DAE-1953F412C126}" type="datetimeFigureOut">
               <a:rPr lang="en-US" dirty="0"/>
-              <a:t>3/17/2020</a:t>
+              <a:t>3/18/2020</a:t>
             </a:fld>
             <a:endParaRPr lang="en-US" dirty="0"/>
           </a:p>
@@ -3667,7 +3696,7 @@
             <a:fld id="{48A87A34-81AB-432B-8DAE-1953F412C126}" type="datetimeFigureOut">
               <a:rPr lang="en-US" dirty="0"/>
               <a:pPr/>
-              <a:t>3/17/2020</a:t>
+              <a:t>3/18/2020</a:t>
             </a:fld>
             <a:endParaRPr lang="en-US" dirty="0"/>
           </a:p>
@@ -3842,7 +3871,7 @@
           <a:p>
             <a:fld id="{48A87A34-81AB-432B-8DAE-1953F412C126}" type="datetimeFigureOut">
               <a:rPr lang="en-US" dirty="0"/>
-              <a:t>3/17/2020</a:t>
+              <a:t>3/18/2020</a:t>
             </a:fld>
             <a:endParaRPr lang="en-US" dirty="0"/>
           </a:p>
@@ -4127,7 +4156,7 @@
             <a:fld id="{48A87A34-81AB-432B-8DAE-1953F412C126}" type="datetimeFigureOut">
               <a:rPr lang="en-US" dirty="0"/>
               <a:pPr/>
-              <a:t>3/17/2020</a:t>
+              <a:t>3/18/2020</a:t>
             </a:fld>
             <a:endParaRPr lang="en-US" dirty="0"/>
           </a:p>
@@ -4364,7 +4393,7 @@
           <a:p>
             <a:fld id="{48A87A34-81AB-432B-8DAE-1953F412C126}" type="datetimeFigureOut">
               <a:rPr lang="en-US" dirty="0"/>
-              <a:t>3/17/2020</a:t>
+              <a:t>3/18/2020</a:t>
             </a:fld>
             <a:endParaRPr lang="en-US" dirty="0"/>
           </a:p>
@@ -4738,7 +4767,7 @@
           <a:p>
             <a:fld id="{48A87A34-81AB-432B-8DAE-1953F412C126}" type="datetimeFigureOut">
               <a:rPr lang="en-US" dirty="0"/>
-              <a:t>3/17/2020</a:t>
+              <a:t>3/18/2020</a:t>
             </a:fld>
             <a:endParaRPr lang="en-US" dirty="0"/>
           </a:p>
@@ -4851,7 +4880,7 @@
           <a:p>
             <a:fld id="{48A87A34-81AB-432B-8DAE-1953F412C126}" type="datetimeFigureOut">
               <a:rPr lang="en-US" dirty="0"/>
-              <a:t>3/17/2020</a:t>
+              <a:t>3/18/2020</a:t>
             </a:fld>
             <a:endParaRPr lang="en-US" dirty="0"/>
           </a:p>
@@ -4941,7 +4970,7 @@
           <a:p>
             <a:fld id="{48A87A34-81AB-432B-8DAE-1953F412C126}" type="datetimeFigureOut">
               <a:rPr lang="en-US" dirty="0"/>
-              <a:t>3/17/2020</a:t>
+              <a:t>3/18/2020</a:t>
             </a:fld>
             <a:endParaRPr lang="en-US" dirty="0"/>
           </a:p>
@@ -5185,7 +5214,7 @@
           <a:p>
             <a:fld id="{48A87A34-81AB-432B-8DAE-1953F412C126}" type="datetimeFigureOut">
               <a:rPr lang="en-US" dirty="0"/>
-              <a:t>3/17/2020</a:t>
+              <a:t>3/18/2020</a:t>
             </a:fld>
             <a:endParaRPr lang="en-US" dirty="0"/>
           </a:p>
@@ -5437,7 +5466,7 @@
           <a:p>
             <a:fld id="{48A87A34-81AB-432B-8DAE-1953F412C126}" type="datetimeFigureOut">
               <a:rPr lang="en-US" dirty="0"/>
-              <a:t>3/17/2020</a:t>
+              <a:t>3/18/2020</a:t>
             </a:fld>
             <a:endParaRPr lang="en-US" dirty="0"/>
           </a:p>
@@ -5676,7 +5705,7 @@
             <a:fld id="{48A87A34-81AB-432B-8DAE-1953F412C126}" type="datetimeFigureOut">
               <a:rPr lang="en-US" dirty="0"/>
               <a:pPr/>
-              <a:t>3/17/2020</a:t>
+              <a:t>3/18/2020</a:t>
             </a:fld>
             <a:endParaRPr lang="en-US" dirty="0"/>
           </a:p>
@@ -6664,14 +6693,6 @@
 <file path=ppt/slides/slide12.xml><?xml version="1.0" encoding="utf-8"?>
 <p:sld xmlns:a="http://schemas.openxmlformats.org/drawingml/2006/main" xmlns:r="http://schemas.openxmlformats.org/officeDocument/2006/relationships" xmlns:p="http://schemas.openxmlformats.org/presentationml/2006/main">
   <p:cSld>
-    <p:bg>
-      <p:bgPr>
-        <a:solidFill>
-          <a:schemeClr val="bg1"/>
-        </a:solidFill>
-        <a:effectLst/>
-      </p:bgPr>
-    </p:bg>
     <p:spTree>
       <p:nvGrpSpPr>
         <p:cNvPr id="1" name=""/>
@@ -6686,116 +6707,125 @@
           <a:chExt cx="0" cy="0"/>
         </a:xfrm>
       </p:grpSpPr>
-      <p:sp useBgFill="1">
-        <p:nvSpPr>
-          <p:cNvPr id="21" name="Rectangle 20">
+      <p:sp>
+        <p:nvSpPr>
+          <p:cNvPr id="3" name="Content Placeholder 2">
             <a:extLst>
               <a:ext uri="{FF2B5EF4-FFF2-40B4-BE49-F238E27FC236}">
-                <a16:creationId xmlns:a16="http://schemas.microsoft.com/office/drawing/2014/main" id="{A748C37F-F131-4D08-AF22-A4F34E2A7D97}"/>
-              </a:ext>
-              <a:ext uri="{C183D7F6-B498-43B3-948B-1728B52AA6E4}">
-                <adec:decorative xmlns:adec="http://schemas.microsoft.com/office/drawing/2017/decorative" val="1"/>
+                <a16:creationId xmlns:a16="http://schemas.microsoft.com/office/drawing/2014/main" id="{1B64EDA3-E1E4-4C1A-8D70-D5452DEBBC3C}"/>
               </a:ext>
             </a:extLst>
           </p:cNvPr>
           <p:cNvSpPr>
-            <a:spLocks noGrp="1" noRot="1" noChangeAspect="1" noMove="1" noResize="1" noEditPoints="1" noAdjustHandles="1" noChangeArrowheads="1" noChangeShapeType="1" noTextEdit="1"/>
-          </p:cNvSpPr>
-          <p:nvPr>
-            <p:extLst>
-              <p:ext uri="{386F3935-93C4-4BCD-93E2-E3B085C9AB24}">
-                <p16:designElem xmlns:p16="http://schemas.microsoft.com/office/powerpoint/2015/main" val="1"/>
-              </p:ext>
-            </p:extLst>
-          </p:nvPr>
-        </p:nvSpPr>
-        <p:spPr>
-          <a:xfrm>
-            <a:off x="0" y="0"/>
-            <a:ext cx="12192000" cy="6858000"/>
-          </a:xfrm>
-          <a:prstGeom prst="rect">
-            <a:avLst/>
-          </a:prstGeom>
-          <a:ln>
-            <a:noFill/>
-          </a:ln>
-          <a:effectLst/>
-        </p:spPr>
-        <p:style>
-          <a:lnRef idx="2">
-            <a:schemeClr val="accent1">
-              <a:shade val="50000"/>
-            </a:schemeClr>
-          </a:lnRef>
-          <a:fillRef idx="1003">
-            <a:schemeClr val="dk1"/>
-          </a:fillRef>
-          <a:effectRef idx="0">
-            <a:schemeClr val="accent1"/>
-          </a:effectRef>
-          <a:fontRef idx="minor">
-            <a:schemeClr val="lt1"/>
-          </a:fontRef>
-        </p:style>
-        <p:txBody>
-          <a:bodyPr rtlCol="0" anchor="ctr"/>
-          <a:lstStyle/>
-          <a:p>
-            <a:pPr algn="ctr"/>
-            <a:endParaRPr lang="en-US"/>
-          </a:p>
-        </p:txBody>
-      </p:sp>
-      <p:sp>
-        <p:nvSpPr>
-          <p:cNvPr id="2" name="Title 1">
-            <a:extLst>
-              <a:ext uri="{FF2B5EF4-FFF2-40B4-BE49-F238E27FC236}">
-                <a16:creationId xmlns:a16="http://schemas.microsoft.com/office/drawing/2014/main" id="{A0578BE1-52D3-4185-943A-7520C64349EB}"/>
-              </a:ext>
-            </a:extLst>
-          </p:cNvPr>
-          <p:cNvSpPr>
-            <a:spLocks noGrp="1"/>
-          </p:cNvSpPr>
-          <p:nvPr>
-            <p:ph type="title"/>
-          </p:nvPr>
-        </p:nvSpPr>
-        <p:spPr>
-          <a:xfrm>
-            <a:off x="1212850" y="2573987"/>
-            <a:ext cx="9766300" cy="1293028"/>
+            <a:spLocks noGrp="1"/>
+          </p:cNvSpPr>
+          <p:nvPr>
+            <p:ph idx="1"/>
+          </p:nvPr>
+        </p:nvSpPr>
+        <p:spPr>
+          <a:xfrm>
+            <a:off x="685800" y="752476"/>
+            <a:ext cx="10820400" cy="6105524"/>
           </a:xfrm>
         </p:spPr>
         <p:txBody>
           <a:bodyPr>
-            <a:normAutofit/>
+            <a:normAutofit fontScale="77500" lnSpcReduction="20000"/>
           </a:bodyPr>
           <a:lstStyle/>
           <a:p>
-            <a:pPr algn="ctr"/>
-            <a:r>
-              <a:rPr lang="en-US" sz="5400" dirty="0">
-                <a:solidFill>
-                  <a:srgbClr val="FFFFFF"/>
-                </a:solidFill>
-              </a:rPr>
-              <a:t>Deployment</a:t>
-            </a:r>
-            <a:endParaRPr lang="en-US" dirty="0">
-              <a:solidFill>
-                <a:srgbClr val="FFFFFF"/>
-              </a:solidFill>
-            </a:endParaRPr>
+            <a:pPr marL="0" indent="0">
+              <a:buNone/>
+            </a:pPr>
+            <a:r>
+              <a:rPr lang="en-US" sz="2800" dirty="0"/>
+              <a:t>Models will be evaluated using the F1 Score.</a:t>
+            </a:r>
+          </a:p>
+          <a:p>
+            <a:pPr marL="0" indent="0">
+              <a:buNone/>
+            </a:pPr>
+            <a:endParaRPr lang="en-US" sz="1200" dirty="0"/>
+          </a:p>
+          <a:p>
+            <a:pPr marL="0" indent="0" algn="ctr">
+              <a:buNone/>
+            </a:pPr>
+            <a:r>
+              <a:rPr lang="en-US" sz="2800" b="1" dirty="0"/>
+              <a:t>What is an F1 Score?</a:t>
+            </a:r>
+            <a:endParaRPr lang="en-US" sz="2800" dirty="0"/>
+          </a:p>
+          <a:p>
+            <a:pPr marL="0" indent="0">
+              <a:buNone/>
+            </a:pPr>
+            <a:r>
+              <a:rPr lang="en-US" sz="2800" dirty="0"/>
+              <a:t>The F1 score is a metric produced by the candidate models and used as an evaluation tool to compare the accuracy of the results.</a:t>
+            </a:r>
+          </a:p>
+          <a:p>
+            <a:pPr marL="0" indent="0">
+              <a:buNone/>
+            </a:pPr>
+            <a:endParaRPr lang="en-US" sz="1200" dirty="0"/>
+          </a:p>
+          <a:p>
+            <a:pPr marL="0" indent="0">
+              <a:buNone/>
+            </a:pPr>
+            <a:r>
+              <a:rPr lang="en-US" sz="2800" dirty="0"/>
+              <a:t>The F1 score is the harmonic mean of precision and recall. In other words, extreme poor performance of recall or precision (rather inversely related) will penalize the F1 score.</a:t>
+            </a:r>
+          </a:p>
+          <a:p>
+            <a:pPr marL="0" indent="0">
+              <a:buNone/>
+            </a:pPr>
+            <a:endParaRPr lang="en-US" sz="1200" dirty="0"/>
+          </a:p>
+          <a:p>
+            <a:pPr marL="0" indent="0">
+              <a:buNone/>
+            </a:pPr>
+            <a:r>
+              <a:rPr lang="en-US" sz="2800" dirty="0"/>
+              <a:t>For example, if every tweet  was labeled a disaster, the recall would be 1 (the highest) because every disaster was identified, but precision would be low since many non disasters were labeled as disasters. In contrast, if every tweet was labeled as not a disaster, except one correctly labeled disaster tweet, precision would be 1 because for every positively labeled observation was correct, but recall would be low since many truly positive observations were missed. In either situation, the F1 score would be very low due to the poor performance of the other metric.</a:t>
+            </a:r>
+          </a:p>
+          <a:p>
+            <a:pPr marL="0" indent="0">
+              <a:buNone/>
+            </a:pPr>
+            <a:endParaRPr lang="en-US" sz="1100" dirty="0"/>
+          </a:p>
+          <a:p>
+            <a:pPr marL="0" indent="0">
+              <a:buNone/>
+            </a:pPr>
+            <a:r>
+              <a:rPr lang="en-US" sz="2800" dirty="0"/>
+              <a:t>You can see where a balance in this scenario is desirable. If too many tweets were incorrectly labeled as disasters, time and resources investigating the event would be wasted. However, if the model continuously missed  labeled disastrous events as not a disaster, then quick response time is lost.</a:t>
+            </a:r>
+            <a:endParaRPr lang="en-US" dirty="0"/>
+          </a:p>
+          <a:p>
+            <a:pPr marL="0" indent="0">
+              <a:buNone/>
+            </a:pPr>
+            <a:endParaRPr lang="en-US" dirty="0"/>
           </a:p>
         </p:txBody>
       </p:sp>
     </p:spTree>
     <p:extLst>
       <p:ext uri="{BB962C8B-B14F-4D97-AF65-F5344CB8AC3E}">
-        <p14:creationId xmlns:p14="http://schemas.microsoft.com/office/powerpoint/2010/main" val="217674488"/>
+        <p14:creationId xmlns:p14="http://schemas.microsoft.com/office/powerpoint/2010/main" val="3632978592"/>
       </p:ext>
     </p:extLst>
   </p:cSld>
@@ -6926,6 +6956,150 @@
                   <a:srgbClr val="FFFFFF"/>
                 </a:solidFill>
               </a:rPr>
+              <a:t>Deployment</a:t>
+            </a:r>
+            <a:endParaRPr lang="en-US" dirty="0">
+              <a:solidFill>
+                <a:srgbClr val="FFFFFF"/>
+              </a:solidFill>
+            </a:endParaRPr>
+          </a:p>
+        </p:txBody>
+      </p:sp>
+    </p:spTree>
+    <p:extLst>
+      <p:ext uri="{BB962C8B-B14F-4D97-AF65-F5344CB8AC3E}">
+        <p14:creationId xmlns:p14="http://schemas.microsoft.com/office/powerpoint/2010/main" val="217674488"/>
+      </p:ext>
+    </p:extLst>
+  </p:cSld>
+  <p:clrMapOvr>
+    <a:masterClrMapping/>
+  </p:clrMapOvr>
+</p:sld>
+</file>
+
+<file path=ppt/slides/slide14.xml><?xml version="1.0" encoding="utf-8"?>
+<p:sld xmlns:a="http://schemas.openxmlformats.org/drawingml/2006/main" xmlns:r="http://schemas.openxmlformats.org/officeDocument/2006/relationships" xmlns:p="http://schemas.openxmlformats.org/presentationml/2006/main">
+  <p:cSld>
+    <p:bg>
+      <p:bgPr>
+        <a:solidFill>
+          <a:schemeClr val="bg1"/>
+        </a:solidFill>
+        <a:effectLst/>
+      </p:bgPr>
+    </p:bg>
+    <p:spTree>
+      <p:nvGrpSpPr>
+        <p:cNvPr id="1" name=""/>
+        <p:cNvGrpSpPr/>
+        <p:nvPr/>
+      </p:nvGrpSpPr>
+      <p:grpSpPr>
+        <a:xfrm>
+          <a:off x="0" y="0"/>
+          <a:ext cx="0" cy="0"/>
+          <a:chOff x="0" y="0"/>
+          <a:chExt cx="0" cy="0"/>
+        </a:xfrm>
+      </p:grpSpPr>
+      <p:sp useBgFill="1">
+        <p:nvSpPr>
+          <p:cNvPr id="21" name="Rectangle 20">
+            <a:extLst>
+              <a:ext uri="{FF2B5EF4-FFF2-40B4-BE49-F238E27FC236}">
+                <a16:creationId xmlns:a16="http://schemas.microsoft.com/office/drawing/2014/main" id="{A748C37F-F131-4D08-AF22-A4F34E2A7D97}"/>
+              </a:ext>
+              <a:ext uri="{C183D7F6-B498-43B3-948B-1728B52AA6E4}">
+                <adec:decorative xmlns:adec="http://schemas.microsoft.com/office/drawing/2017/decorative" val="1"/>
+              </a:ext>
+            </a:extLst>
+          </p:cNvPr>
+          <p:cNvSpPr>
+            <a:spLocks noGrp="1" noRot="1" noChangeAspect="1" noMove="1" noResize="1" noEditPoints="1" noAdjustHandles="1" noChangeArrowheads="1" noChangeShapeType="1" noTextEdit="1"/>
+          </p:cNvSpPr>
+          <p:nvPr>
+            <p:extLst>
+              <p:ext uri="{386F3935-93C4-4BCD-93E2-E3B085C9AB24}">
+                <p16:designElem xmlns:p16="http://schemas.microsoft.com/office/powerpoint/2015/main" val="1"/>
+              </p:ext>
+            </p:extLst>
+          </p:nvPr>
+        </p:nvSpPr>
+        <p:spPr>
+          <a:xfrm>
+            <a:off x="0" y="0"/>
+            <a:ext cx="12192000" cy="6858000"/>
+          </a:xfrm>
+          <a:prstGeom prst="rect">
+            <a:avLst/>
+          </a:prstGeom>
+          <a:ln>
+            <a:noFill/>
+          </a:ln>
+          <a:effectLst/>
+        </p:spPr>
+        <p:style>
+          <a:lnRef idx="2">
+            <a:schemeClr val="accent1">
+              <a:shade val="50000"/>
+            </a:schemeClr>
+          </a:lnRef>
+          <a:fillRef idx="1003">
+            <a:schemeClr val="dk1"/>
+          </a:fillRef>
+          <a:effectRef idx="0">
+            <a:schemeClr val="accent1"/>
+          </a:effectRef>
+          <a:fontRef idx="minor">
+            <a:schemeClr val="lt1"/>
+          </a:fontRef>
+        </p:style>
+        <p:txBody>
+          <a:bodyPr rtlCol="0" anchor="ctr"/>
+          <a:lstStyle/>
+          <a:p>
+            <a:pPr algn="ctr"/>
+            <a:endParaRPr lang="en-US"/>
+          </a:p>
+        </p:txBody>
+      </p:sp>
+      <p:sp>
+        <p:nvSpPr>
+          <p:cNvPr id="2" name="Title 1">
+            <a:extLst>
+              <a:ext uri="{FF2B5EF4-FFF2-40B4-BE49-F238E27FC236}">
+                <a16:creationId xmlns:a16="http://schemas.microsoft.com/office/drawing/2014/main" id="{A0578BE1-52D3-4185-943A-7520C64349EB}"/>
+              </a:ext>
+            </a:extLst>
+          </p:cNvPr>
+          <p:cNvSpPr>
+            <a:spLocks noGrp="1"/>
+          </p:cNvSpPr>
+          <p:nvPr>
+            <p:ph type="title"/>
+          </p:nvPr>
+        </p:nvSpPr>
+        <p:spPr>
+          <a:xfrm>
+            <a:off x="1212850" y="2573987"/>
+            <a:ext cx="9766300" cy="1293028"/>
+          </a:xfrm>
+        </p:spPr>
+        <p:txBody>
+          <a:bodyPr>
+            <a:normAutofit/>
+          </a:bodyPr>
+          <a:lstStyle/>
+          <a:p>
+            <a:pPr algn="ctr"/>
+            <a:r>
+              <a:rPr lang="en-US" sz="5400" dirty="0">
+                <a:solidFill>
+                  <a:srgbClr val="FFFFFF"/>
+                </a:solidFill>
+              </a:rPr>
               <a:t>Next Steps</a:t>
             </a:r>
             <a:endParaRPr lang="en-US" dirty="0">
@@ -6949,7 +7123,7 @@
 </p:sld>
 </file>
 
-<file path=ppt/slides/slide14.xml><?xml version="1.0" encoding="utf-8"?>
+<file path=ppt/slides/slide15.xml><?xml version="1.0" encoding="utf-8"?>
 <p:sld xmlns:a="http://schemas.openxmlformats.org/drawingml/2006/main" xmlns:r="http://schemas.openxmlformats.org/officeDocument/2006/relationships" xmlns:p="http://schemas.openxmlformats.org/presentationml/2006/main">
   <p:cSld>
     <p:spTree>

--- a/MDS 564 - Twitter NLP Text Analysis/Client Presentation.pptx
+++ b/MDS 564 - Twitter NLP Text Analysis/Client Presentation.pptx
@@ -12,14 +12,17 @@
     <p:sldId id="258" r:id="rId6"/>
     <p:sldId id="268" r:id="rId7"/>
     <p:sldId id="269" r:id="rId8"/>
-    <p:sldId id="271" r:id="rId9"/>
-    <p:sldId id="261" r:id="rId10"/>
-    <p:sldId id="262" r:id="rId11"/>
-    <p:sldId id="263" r:id="rId12"/>
-    <p:sldId id="272" r:id="rId13"/>
-    <p:sldId id="264" r:id="rId14"/>
-    <p:sldId id="265" r:id="rId15"/>
-    <p:sldId id="270" r:id="rId16"/>
+    <p:sldId id="273" r:id="rId9"/>
+    <p:sldId id="271" r:id="rId10"/>
+    <p:sldId id="261" r:id="rId11"/>
+    <p:sldId id="274" r:id="rId12"/>
+    <p:sldId id="262" r:id="rId13"/>
+    <p:sldId id="263" r:id="rId14"/>
+    <p:sldId id="272" r:id="rId15"/>
+    <p:sldId id="264" r:id="rId16"/>
+    <p:sldId id="275" r:id="rId17"/>
+    <p:sldId id="265" r:id="rId18"/>
+    <p:sldId id="270" r:id="rId19"/>
   </p:sldIdLst>
   <p:sldSz cx="12192000" cy="6858000"/>
   <p:notesSz cx="6858000" cy="9144000"/>
@@ -129,7 +132,7 @@
 <file path=ppt/revisionInfo.xml><?xml version="1.0" encoding="utf-8"?>
 <p1510:revInfo xmlns:a="http://schemas.openxmlformats.org/drawingml/2006/main" xmlns:r="http://schemas.openxmlformats.org/officeDocument/2006/relationships" xmlns:p1510="http://schemas.microsoft.com/office/powerpoint/2015/10/main">
   <p1510:revLst>
-    <p1510:client id="{ADB664B6-92CB-4667-8FF4-756A64587659}" v="30" dt="2020-03-18T20:35:57.773"/>
+    <p1510:client id="{ADB664B6-92CB-4667-8FF4-756A64587659}" v="33" dt="2020-03-21T19:25:14.253"/>
   </p1510:revLst>
 </p1510:revInfo>
 </file>
@@ -139,7 +142,7 @@
   <pc:docChgLst>
     <pc:chgData name=" " userId="886d1fcb0e1fdeb1" providerId="LiveId" clId="{ADB664B6-92CB-4667-8FF4-756A64587659}"/>
     <pc:docChg chg="undo custSel mod addSld delSld modSld">
-      <pc:chgData name=" " userId="886d1fcb0e1fdeb1" providerId="LiveId" clId="{ADB664B6-92CB-4667-8FF4-756A64587659}" dt="2020-03-18T20:58:09.945" v="6983" actId="255"/>
+      <pc:chgData name=" " userId="886d1fcb0e1fdeb1" providerId="LiveId" clId="{ADB664B6-92CB-4667-8FF4-756A64587659}" dt="2020-03-21T19:31:28.831" v="9466" actId="5793"/>
       <pc:docMkLst>
         <pc:docMk/>
       </pc:docMkLst>
@@ -496,14 +499,22 @@
           </ac:spMkLst>
         </pc:spChg>
       </pc:sldChg>
-      <pc:sldChg chg="modSp add mod">
-        <pc:chgData name=" " userId="886d1fcb0e1fdeb1" providerId="LiveId" clId="{ADB664B6-92CB-4667-8FF4-756A64587659}" dt="2020-03-17T18:37:58.498" v="4117" actId="20577"/>
+      <pc:sldChg chg="delSp modSp add mod">
+        <pc:chgData name=" " userId="886d1fcb0e1fdeb1" providerId="LiveId" clId="{ADB664B6-92CB-4667-8FF4-756A64587659}" dt="2020-03-21T19:31:28.831" v="9466" actId="5793"/>
         <pc:sldMkLst>
           <pc:docMk/>
           <pc:sldMk cId="2280329486" sldId="270"/>
         </pc:sldMkLst>
+        <pc:spChg chg="del">
+          <ac:chgData name=" " userId="886d1fcb0e1fdeb1" providerId="LiveId" clId="{ADB664B6-92CB-4667-8FF4-756A64587659}" dt="2020-03-21T19:28:33.813" v="8644" actId="478"/>
+          <ac:spMkLst>
+            <pc:docMk/>
+            <pc:sldMk cId="2280329486" sldId="270"/>
+            <ac:spMk id="2" creationId="{3D77A44F-98A9-4520-A785-22D27983B42E}"/>
+          </ac:spMkLst>
+        </pc:spChg>
         <pc:spChg chg="mod">
-          <ac:chgData name=" " userId="886d1fcb0e1fdeb1" providerId="LiveId" clId="{ADB664B6-92CB-4667-8FF4-756A64587659}" dt="2020-03-17T18:37:58.498" v="4117" actId="20577"/>
+          <ac:chgData name=" " userId="886d1fcb0e1fdeb1" providerId="LiveId" clId="{ADB664B6-92CB-4667-8FF4-756A64587659}" dt="2020-03-21T19:31:28.831" v="9466" actId="5793"/>
           <ac:spMkLst>
             <pc:docMk/>
             <pc:sldMk cId="2280329486" sldId="270"/>
@@ -557,6 +568,75 @@
           </ac:spMkLst>
         </pc:spChg>
       </pc:sldChg>
+      <pc:sldChg chg="modSp add mod">
+        <pc:chgData name=" " userId="886d1fcb0e1fdeb1" providerId="LiveId" clId="{ADB664B6-92CB-4667-8FF4-756A64587659}" dt="2020-03-21T19:18:50.169" v="7395" actId="20577"/>
+        <pc:sldMkLst>
+          <pc:docMk/>
+          <pc:sldMk cId="1956581619" sldId="273"/>
+        </pc:sldMkLst>
+        <pc:spChg chg="mod">
+          <ac:chgData name=" " userId="886d1fcb0e1fdeb1" providerId="LiveId" clId="{ADB664B6-92CB-4667-8FF4-756A64587659}" dt="2020-03-21T19:17:12.692" v="7005" actId="20577"/>
+          <ac:spMkLst>
+            <pc:docMk/>
+            <pc:sldMk cId="1956581619" sldId="273"/>
+            <ac:spMk id="2" creationId="{FE52460A-EE7C-4BC8-9144-41E7417131C1}"/>
+          </ac:spMkLst>
+        </pc:spChg>
+        <pc:spChg chg="mod">
+          <ac:chgData name=" " userId="886d1fcb0e1fdeb1" providerId="LiveId" clId="{ADB664B6-92CB-4667-8FF4-756A64587659}" dt="2020-03-21T19:18:50.169" v="7395" actId="20577"/>
+          <ac:spMkLst>
+            <pc:docMk/>
+            <pc:sldMk cId="1956581619" sldId="273"/>
+            <ac:spMk id="3" creationId="{0B66FC50-96D4-4FA6-8CE6-B641A9BD88A1}"/>
+          </ac:spMkLst>
+        </pc:spChg>
+      </pc:sldChg>
+      <pc:sldChg chg="modSp add mod">
+        <pc:chgData name=" " userId="886d1fcb0e1fdeb1" providerId="LiveId" clId="{ADB664B6-92CB-4667-8FF4-756A64587659}" dt="2020-03-21T19:24:53.315" v="8059" actId="20577"/>
+        <pc:sldMkLst>
+          <pc:docMk/>
+          <pc:sldMk cId="4054729272" sldId="274"/>
+        </pc:sldMkLst>
+        <pc:spChg chg="mod">
+          <ac:chgData name=" " userId="886d1fcb0e1fdeb1" providerId="LiveId" clId="{ADB664B6-92CB-4667-8FF4-756A64587659}" dt="2020-03-21T19:19:22.145" v="7432" actId="20577"/>
+          <ac:spMkLst>
+            <pc:docMk/>
+            <pc:sldMk cId="4054729272" sldId="274"/>
+            <ac:spMk id="2" creationId="{F453C538-7493-4438-B1B1-882AF97BAA2B}"/>
+          </ac:spMkLst>
+        </pc:spChg>
+        <pc:spChg chg="mod">
+          <ac:chgData name=" " userId="886d1fcb0e1fdeb1" providerId="LiveId" clId="{ADB664B6-92CB-4667-8FF4-756A64587659}" dt="2020-03-21T19:24:53.315" v="8059" actId="20577"/>
+          <ac:spMkLst>
+            <pc:docMk/>
+            <pc:sldMk cId="4054729272" sldId="274"/>
+            <ac:spMk id="3" creationId="{D9E93918-2453-40E1-A264-DE9330D20737}"/>
+          </ac:spMkLst>
+        </pc:spChg>
+      </pc:sldChg>
+      <pc:sldChg chg="modSp add mod">
+        <pc:chgData name=" " userId="886d1fcb0e1fdeb1" providerId="LiveId" clId="{ADB664B6-92CB-4667-8FF4-756A64587659}" dt="2020-03-21T19:28:21.108" v="8643" actId="6549"/>
+        <pc:sldMkLst>
+          <pc:docMk/>
+          <pc:sldMk cId="1741403036" sldId="275"/>
+        </pc:sldMkLst>
+        <pc:spChg chg="mod">
+          <ac:chgData name=" " userId="886d1fcb0e1fdeb1" providerId="LiveId" clId="{ADB664B6-92CB-4667-8FF4-756A64587659}" dt="2020-03-21T19:25:19.180" v="8082" actId="20577"/>
+          <ac:spMkLst>
+            <pc:docMk/>
+            <pc:sldMk cId="1741403036" sldId="275"/>
+            <ac:spMk id="2" creationId="{C4F8151C-9B4F-47D8-B7DD-16925EC71C76}"/>
+          </ac:spMkLst>
+        </pc:spChg>
+        <pc:spChg chg="mod">
+          <ac:chgData name=" " userId="886d1fcb0e1fdeb1" providerId="LiveId" clId="{ADB664B6-92CB-4667-8FF4-756A64587659}" dt="2020-03-21T19:28:21.108" v="8643" actId="6549"/>
+          <ac:spMkLst>
+            <pc:docMk/>
+            <pc:sldMk cId="1741403036" sldId="275"/>
+            <ac:spMk id="3" creationId="{33DA0362-0151-478E-B55E-29627C000215}"/>
+          </ac:spMkLst>
+        </pc:spChg>
+      </pc:sldChg>
     </pc:docChg>
   </pc:docChgLst>
 </pc:chgInfo>
@@ -732,7 +812,7 @@
           <a:p>
             <a:fld id="{48A87A34-81AB-432B-8DAE-1953F412C126}" type="datetimeFigureOut">
               <a:rPr lang="en-US" dirty="0"/>
-              <a:t>3/18/2020</a:t>
+              <a:t>3/21/2020</a:t>
             </a:fld>
             <a:endParaRPr lang="en-US" dirty="0"/>
           </a:p>
@@ -994,7 +1074,7 @@
           <a:p>
             <a:fld id="{48A87A34-81AB-432B-8DAE-1953F412C126}" type="datetimeFigureOut">
               <a:rPr lang="en-US" dirty="0"/>
-              <a:t>3/18/2020</a:t>
+              <a:t>3/21/2020</a:t>
             </a:fld>
             <a:endParaRPr lang="en-US" dirty="0"/>
           </a:p>
@@ -1221,7 +1301,7 @@
             <a:fld id="{48A87A34-81AB-432B-8DAE-1953F412C126}" type="datetimeFigureOut">
               <a:rPr lang="en-US" dirty="0"/>
               <a:pPr/>
-              <a:t>3/18/2020</a:t>
+              <a:t>3/21/2020</a:t>
             </a:fld>
             <a:endParaRPr lang="en-US" dirty="0"/>
           </a:p>
@@ -1527,7 +1607,7 @@
             <a:fld id="{48A87A34-81AB-432B-8DAE-1953F412C126}" type="datetimeFigureOut">
               <a:rPr lang="en-US" dirty="0"/>
               <a:pPr/>
-              <a:t>3/18/2020</a:t>
+              <a:t>3/21/2020</a:t>
             </a:fld>
             <a:endParaRPr lang="en-US" dirty="0"/>
           </a:p>
@@ -1996,7 +2076,7 @@
             <a:fld id="{48A87A34-81AB-432B-8DAE-1953F412C126}" type="datetimeFigureOut">
               <a:rPr lang="en-US" dirty="0"/>
               <a:pPr/>
-              <a:t>3/18/2020</a:t>
+              <a:t>3/21/2020</a:t>
             </a:fld>
             <a:endParaRPr lang="en-US" dirty="0"/>
           </a:p>
@@ -2538,7 +2618,7 @@
           <a:p>
             <a:fld id="{48A87A34-81AB-432B-8DAE-1953F412C126}" type="datetimeFigureOut">
               <a:rPr lang="en-US" dirty="0"/>
-              <a:t>3/18/2020</a:t>
+              <a:t>3/21/2020</a:t>
             </a:fld>
             <a:endParaRPr lang="en-US" dirty="0"/>
           </a:p>
@@ -3307,7 +3387,7 @@
           <a:p>
             <a:fld id="{48A87A34-81AB-432B-8DAE-1953F412C126}" type="datetimeFigureOut">
               <a:rPr lang="en-US" dirty="0"/>
-              <a:t>3/18/2020</a:t>
+              <a:t>3/21/2020</a:t>
             </a:fld>
             <a:endParaRPr lang="en-US" dirty="0"/>
           </a:p>
@@ -3477,7 +3557,7 @@
           <a:p>
             <a:fld id="{48A87A34-81AB-432B-8DAE-1953F412C126}" type="datetimeFigureOut">
               <a:rPr lang="en-US" dirty="0"/>
-              <a:t>3/18/2020</a:t>
+              <a:t>3/21/2020</a:t>
             </a:fld>
             <a:endParaRPr lang="en-US" dirty="0"/>
           </a:p>
@@ -3696,7 +3776,7 @@
             <a:fld id="{48A87A34-81AB-432B-8DAE-1953F412C126}" type="datetimeFigureOut">
               <a:rPr lang="en-US" dirty="0"/>
               <a:pPr/>
-              <a:t>3/18/2020</a:t>
+              <a:t>3/21/2020</a:t>
             </a:fld>
             <a:endParaRPr lang="en-US" dirty="0"/>
           </a:p>
@@ -3871,7 +3951,7 @@
           <a:p>
             <a:fld id="{48A87A34-81AB-432B-8DAE-1953F412C126}" type="datetimeFigureOut">
               <a:rPr lang="en-US" dirty="0"/>
-              <a:t>3/18/2020</a:t>
+              <a:t>3/21/2020</a:t>
             </a:fld>
             <a:endParaRPr lang="en-US" dirty="0"/>
           </a:p>
@@ -4156,7 +4236,7 @@
             <a:fld id="{48A87A34-81AB-432B-8DAE-1953F412C126}" type="datetimeFigureOut">
               <a:rPr lang="en-US" dirty="0"/>
               <a:pPr/>
-              <a:t>3/18/2020</a:t>
+              <a:t>3/21/2020</a:t>
             </a:fld>
             <a:endParaRPr lang="en-US" dirty="0"/>
           </a:p>
@@ -4393,7 +4473,7 @@
           <a:p>
             <a:fld id="{48A87A34-81AB-432B-8DAE-1953F412C126}" type="datetimeFigureOut">
               <a:rPr lang="en-US" dirty="0"/>
-              <a:t>3/18/2020</a:t>
+              <a:t>3/21/2020</a:t>
             </a:fld>
             <a:endParaRPr lang="en-US" dirty="0"/>
           </a:p>
@@ -4767,7 +4847,7 @@
           <a:p>
             <a:fld id="{48A87A34-81AB-432B-8DAE-1953F412C126}" type="datetimeFigureOut">
               <a:rPr lang="en-US" dirty="0"/>
-              <a:t>3/18/2020</a:t>
+              <a:t>3/21/2020</a:t>
             </a:fld>
             <a:endParaRPr lang="en-US" dirty="0"/>
           </a:p>
@@ -4880,7 +4960,7 @@
           <a:p>
             <a:fld id="{48A87A34-81AB-432B-8DAE-1953F412C126}" type="datetimeFigureOut">
               <a:rPr lang="en-US" dirty="0"/>
-              <a:t>3/18/2020</a:t>
+              <a:t>3/21/2020</a:t>
             </a:fld>
             <a:endParaRPr lang="en-US" dirty="0"/>
           </a:p>
@@ -4970,7 +5050,7 @@
           <a:p>
             <a:fld id="{48A87A34-81AB-432B-8DAE-1953F412C126}" type="datetimeFigureOut">
               <a:rPr lang="en-US" dirty="0"/>
-              <a:t>3/18/2020</a:t>
+              <a:t>3/21/2020</a:t>
             </a:fld>
             <a:endParaRPr lang="en-US" dirty="0"/>
           </a:p>
@@ -5214,7 +5294,7 @@
           <a:p>
             <a:fld id="{48A87A34-81AB-432B-8DAE-1953F412C126}" type="datetimeFigureOut">
               <a:rPr lang="en-US" dirty="0"/>
-              <a:t>3/18/2020</a:t>
+              <a:t>3/21/2020</a:t>
             </a:fld>
             <a:endParaRPr lang="en-US" dirty="0"/>
           </a:p>
@@ -5466,7 +5546,7 @@
           <a:p>
             <a:fld id="{48A87A34-81AB-432B-8DAE-1953F412C126}" type="datetimeFigureOut">
               <a:rPr lang="en-US" dirty="0"/>
-              <a:t>3/18/2020</a:t>
+              <a:t>3/21/2020</a:t>
             </a:fld>
             <a:endParaRPr lang="en-US" dirty="0"/>
           </a:p>
@@ -5705,7 +5785,7 @@
             <a:fld id="{48A87A34-81AB-432B-8DAE-1953F412C126}" type="datetimeFigureOut">
               <a:rPr lang="en-US" dirty="0"/>
               <a:pPr/>
-              <a:t>3/18/2020</a:t>
+              <a:t>3/21/2020</a:t>
             </a:fld>
             <a:endParaRPr lang="en-US" dirty="0"/>
           </a:p>
@@ -6523,7 +6603,23 @@
                   <a:srgbClr val="FFFFFF"/>
                 </a:solidFill>
               </a:rPr>
-              <a:t>modeling</a:t>
+              <a:t>Data</a:t>
+            </a:r>
+            <a:r>
+              <a:rPr lang="en-US" dirty="0">
+                <a:solidFill>
+                  <a:srgbClr val="FFFFFF"/>
+                </a:solidFill>
+              </a:rPr>
+              <a:t> </a:t>
+            </a:r>
+            <a:r>
+              <a:rPr lang="en-US" sz="5400" dirty="0">
+                <a:solidFill>
+                  <a:srgbClr val="FFFFFF"/>
+                </a:solidFill>
+              </a:rPr>
+              <a:t>Preparation</a:t>
             </a:r>
             <a:endParaRPr lang="en-US" dirty="0">
               <a:solidFill>
@@ -6536,7 +6632,7 @@
     </p:spTree>
     <p:extLst>
       <p:ext uri="{BB962C8B-B14F-4D97-AF65-F5344CB8AC3E}">
-        <p14:creationId xmlns:p14="http://schemas.microsoft.com/office/powerpoint/2010/main" val="3081819615"/>
+        <p14:creationId xmlns:p14="http://schemas.microsoft.com/office/powerpoint/2010/main" val="820791637"/>
       </p:ext>
     </p:extLst>
   </p:cSld>
@@ -6547,6 +6643,134 @@
 </file>
 
 <file path=ppt/slides/slide11.xml><?xml version="1.0" encoding="utf-8"?>
+<p:sld xmlns:a="http://schemas.openxmlformats.org/drawingml/2006/main" xmlns:r="http://schemas.openxmlformats.org/officeDocument/2006/relationships" xmlns:p="http://schemas.openxmlformats.org/presentationml/2006/main">
+  <p:cSld>
+    <p:spTree>
+      <p:nvGrpSpPr>
+        <p:cNvPr id="1" name=""/>
+        <p:cNvGrpSpPr/>
+        <p:nvPr/>
+      </p:nvGrpSpPr>
+      <p:grpSpPr>
+        <a:xfrm>
+          <a:off x="0" y="0"/>
+          <a:ext cx="0" cy="0"/>
+          <a:chOff x="0" y="0"/>
+          <a:chExt cx="0" cy="0"/>
+        </a:xfrm>
+      </p:grpSpPr>
+      <p:sp>
+        <p:nvSpPr>
+          <p:cNvPr id="2" name="Title 1">
+            <a:extLst>
+              <a:ext uri="{FF2B5EF4-FFF2-40B4-BE49-F238E27FC236}">
+                <a16:creationId xmlns:a16="http://schemas.microsoft.com/office/drawing/2014/main" id="{F453C538-7493-4438-B1B1-882AF97BAA2B}"/>
+              </a:ext>
+            </a:extLst>
+          </p:cNvPr>
+          <p:cNvSpPr>
+            <a:spLocks noGrp="1"/>
+          </p:cNvSpPr>
+          <p:nvPr>
+            <p:ph type="title"/>
+          </p:nvPr>
+        </p:nvSpPr>
+        <p:spPr/>
+        <p:txBody>
+          <a:bodyPr/>
+          <a:lstStyle/>
+          <a:p>
+            <a:r>
+              <a:rPr lang="en-US" dirty="0"/>
+              <a:t>Text Preprocessing Steps</a:t>
+            </a:r>
+          </a:p>
+        </p:txBody>
+      </p:sp>
+      <p:sp>
+        <p:nvSpPr>
+          <p:cNvPr id="3" name="Content Placeholder 2">
+            <a:extLst>
+              <a:ext uri="{FF2B5EF4-FFF2-40B4-BE49-F238E27FC236}">
+                <a16:creationId xmlns:a16="http://schemas.microsoft.com/office/drawing/2014/main" id="{D9E93918-2453-40E1-A264-DE9330D20737}"/>
+              </a:ext>
+            </a:extLst>
+          </p:cNvPr>
+          <p:cNvSpPr>
+            <a:spLocks noGrp="1"/>
+          </p:cNvSpPr>
+          <p:nvPr>
+            <p:ph idx="1"/>
+          </p:nvPr>
+        </p:nvSpPr>
+        <p:spPr/>
+        <p:txBody>
+          <a:bodyPr/>
+          <a:lstStyle/>
+          <a:p>
+            <a:r>
+              <a:rPr lang="en-US" dirty="0"/>
+              <a:t>Transform each letter to lower to ensure that words are counted according to letters not casing</a:t>
+            </a:r>
+          </a:p>
+          <a:p>
+            <a:r>
+              <a:rPr lang="en-US" dirty="0"/>
+              <a:t>Transform common contractions to their respective translation (EX: I’ve – I have)</a:t>
+            </a:r>
+          </a:p>
+          <a:p>
+            <a:r>
+              <a:rPr lang="en-US" dirty="0"/>
+              <a:t>Correct misspellings</a:t>
+            </a:r>
+          </a:p>
+          <a:p>
+            <a:r>
+              <a:rPr lang="en-US" dirty="0"/>
+              <a:t>Replace URLs to “URL”</a:t>
+            </a:r>
+          </a:p>
+          <a:p>
+            <a:r>
+              <a:rPr lang="en-US" dirty="0"/>
+              <a:t>Remove emojis, symbols, pictures, maps, flags, etc.</a:t>
+            </a:r>
+          </a:p>
+          <a:p>
+            <a:r>
+              <a:rPr lang="en-US" dirty="0"/>
+              <a:t>Remove stop words (most common words)</a:t>
+            </a:r>
+          </a:p>
+          <a:p>
+            <a:r>
+              <a:rPr lang="en-US" dirty="0"/>
+              <a:t>Tokenize sentence</a:t>
+            </a:r>
+          </a:p>
+          <a:p>
+            <a:r>
+              <a:rPr lang="en-US" dirty="0"/>
+              <a:t>Remove keyword and location columns due to too many  null values</a:t>
+            </a:r>
+          </a:p>
+        </p:txBody>
+      </p:sp>
+    </p:spTree>
+    <p:extLst>
+      <p:ext uri="{BB962C8B-B14F-4D97-AF65-F5344CB8AC3E}">
+        <p14:creationId xmlns:p14="http://schemas.microsoft.com/office/powerpoint/2010/main" val="4054729272"/>
+      </p:ext>
+    </p:extLst>
+  </p:cSld>
+  <p:clrMapOvr>
+    <a:masterClrMapping/>
+  </p:clrMapOvr>
+</p:sld>
+</file>
+
+<file path=ppt/slides/slide12.xml><?xml version="1.0" encoding="utf-8"?>
 <p:sld xmlns:a="http://schemas.openxmlformats.org/drawingml/2006/main" xmlns:r="http://schemas.openxmlformats.org/officeDocument/2006/relationships" xmlns:p="http://schemas.openxmlformats.org/presentationml/2006/main">
   <p:cSld>
     <p:bg>
@@ -6667,7 +6891,7 @@
                   <a:srgbClr val="FFFFFF"/>
                 </a:solidFill>
               </a:rPr>
-              <a:t>Evaluation</a:t>
+              <a:t>modeling</a:t>
             </a:r>
             <a:endParaRPr lang="en-US" dirty="0">
               <a:solidFill>
@@ -6680,152 +6904,7 @@
     </p:spTree>
     <p:extLst>
       <p:ext uri="{BB962C8B-B14F-4D97-AF65-F5344CB8AC3E}">
-        <p14:creationId xmlns:p14="http://schemas.microsoft.com/office/powerpoint/2010/main" val="1483249377"/>
-      </p:ext>
-    </p:extLst>
-  </p:cSld>
-  <p:clrMapOvr>
-    <a:masterClrMapping/>
-  </p:clrMapOvr>
-</p:sld>
-</file>
-
-<file path=ppt/slides/slide12.xml><?xml version="1.0" encoding="utf-8"?>
-<p:sld xmlns:a="http://schemas.openxmlformats.org/drawingml/2006/main" xmlns:r="http://schemas.openxmlformats.org/officeDocument/2006/relationships" xmlns:p="http://schemas.openxmlformats.org/presentationml/2006/main">
-  <p:cSld>
-    <p:spTree>
-      <p:nvGrpSpPr>
-        <p:cNvPr id="1" name=""/>
-        <p:cNvGrpSpPr/>
-        <p:nvPr/>
-      </p:nvGrpSpPr>
-      <p:grpSpPr>
-        <a:xfrm>
-          <a:off x="0" y="0"/>
-          <a:ext cx="0" cy="0"/>
-          <a:chOff x="0" y="0"/>
-          <a:chExt cx="0" cy="0"/>
-        </a:xfrm>
-      </p:grpSpPr>
-      <p:sp>
-        <p:nvSpPr>
-          <p:cNvPr id="3" name="Content Placeholder 2">
-            <a:extLst>
-              <a:ext uri="{FF2B5EF4-FFF2-40B4-BE49-F238E27FC236}">
-                <a16:creationId xmlns:a16="http://schemas.microsoft.com/office/drawing/2014/main" id="{1B64EDA3-E1E4-4C1A-8D70-D5452DEBBC3C}"/>
-              </a:ext>
-            </a:extLst>
-          </p:cNvPr>
-          <p:cNvSpPr>
-            <a:spLocks noGrp="1"/>
-          </p:cNvSpPr>
-          <p:nvPr>
-            <p:ph idx="1"/>
-          </p:nvPr>
-        </p:nvSpPr>
-        <p:spPr>
-          <a:xfrm>
-            <a:off x="685800" y="752476"/>
-            <a:ext cx="10820400" cy="6105524"/>
-          </a:xfrm>
-        </p:spPr>
-        <p:txBody>
-          <a:bodyPr>
-            <a:normAutofit fontScale="77500" lnSpcReduction="20000"/>
-          </a:bodyPr>
-          <a:lstStyle/>
-          <a:p>
-            <a:pPr marL="0" indent="0">
-              <a:buNone/>
-            </a:pPr>
-            <a:r>
-              <a:rPr lang="en-US" sz="2800" dirty="0"/>
-              <a:t>Models will be evaluated using the F1 Score.</a:t>
-            </a:r>
-          </a:p>
-          <a:p>
-            <a:pPr marL="0" indent="0">
-              <a:buNone/>
-            </a:pPr>
-            <a:endParaRPr lang="en-US" sz="1200" dirty="0"/>
-          </a:p>
-          <a:p>
-            <a:pPr marL="0" indent="0" algn="ctr">
-              <a:buNone/>
-            </a:pPr>
-            <a:r>
-              <a:rPr lang="en-US" sz="2800" b="1" dirty="0"/>
-              <a:t>What is an F1 Score?</a:t>
-            </a:r>
-            <a:endParaRPr lang="en-US" sz="2800" dirty="0"/>
-          </a:p>
-          <a:p>
-            <a:pPr marL="0" indent="0">
-              <a:buNone/>
-            </a:pPr>
-            <a:r>
-              <a:rPr lang="en-US" sz="2800" dirty="0"/>
-              <a:t>The F1 score is a metric produced by the candidate models and used as an evaluation tool to compare the accuracy of the results.</a:t>
-            </a:r>
-          </a:p>
-          <a:p>
-            <a:pPr marL="0" indent="0">
-              <a:buNone/>
-            </a:pPr>
-            <a:endParaRPr lang="en-US" sz="1200" dirty="0"/>
-          </a:p>
-          <a:p>
-            <a:pPr marL="0" indent="0">
-              <a:buNone/>
-            </a:pPr>
-            <a:r>
-              <a:rPr lang="en-US" sz="2800" dirty="0"/>
-              <a:t>The F1 score is the harmonic mean of precision and recall. In other words, extreme poor performance of recall or precision (rather inversely related) will penalize the F1 score.</a:t>
-            </a:r>
-          </a:p>
-          <a:p>
-            <a:pPr marL="0" indent="0">
-              <a:buNone/>
-            </a:pPr>
-            <a:endParaRPr lang="en-US" sz="1200" dirty="0"/>
-          </a:p>
-          <a:p>
-            <a:pPr marL="0" indent="0">
-              <a:buNone/>
-            </a:pPr>
-            <a:r>
-              <a:rPr lang="en-US" sz="2800" dirty="0"/>
-              <a:t>For example, if every tweet  was labeled a disaster, the recall would be 1 (the highest) because every disaster was identified, but precision would be low since many non disasters were labeled as disasters. In contrast, if every tweet was labeled as not a disaster, except one correctly labeled disaster tweet, precision would be 1 because for every positively labeled observation was correct, but recall would be low since many truly positive observations were missed. In either situation, the F1 score would be very low due to the poor performance of the other metric.</a:t>
-            </a:r>
-          </a:p>
-          <a:p>
-            <a:pPr marL="0" indent="0">
-              <a:buNone/>
-            </a:pPr>
-            <a:endParaRPr lang="en-US" sz="1100" dirty="0"/>
-          </a:p>
-          <a:p>
-            <a:pPr marL="0" indent="0">
-              <a:buNone/>
-            </a:pPr>
-            <a:r>
-              <a:rPr lang="en-US" sz="2800" dirty="0"/>
-              <a:t>You can see where a balance in this scenario is desirable. If too many tweets were incorrectly labeled as disasters, time and resources investigating the event would be wasted. However, if the model continuously missed  labeled disastrous events as not a disaster, then quick response time is lost.</a:t>
-            </a:r>
-            <a:endParaRPr lang="en-US" dirty="0"/>
-          </a:p>
-          <a:p>
-            <a:pPr marL="0" indent="0">
-              <a:buNone/>
-            </a:pPr>
-            <a:endParaRPr lang="en-US" dirty="0"/>
-          </a:p>
-        </p:txBody>
-      </p:sp>
-    </p:spTree>
-    <p:extLst>
-      <p:ext uri="{BB962C8B-B14F-4D97-AF65-F5344CB8AC3E}">
-        <p14:creationId xmlns:p14="http://schemas.microsoft.com/office/powerpoint/2010/main" val="3632978592"/>
+        <p14:creationId xmlns:p14="http://schemas.microsoft.com/office/powerpoint/2010/main" val="3081819615"/>
       </p:ext>
     </p:extLst>
   </p:cSld>
@@ -6956,7 +7035,7 @@
                   <a:srgbClr val="FFFFFF"/>
                 </a:solidFill>
               </a:rPr>
-              <a:t>Deployment</a:t>
+              <a:t>Evaluation</a:t>
             </a:r>
             <a:endParaRPr lang="en-US" dirty="0">
               <a:solidFill>
@@ -6969,7 +7048,7 @@
     </p:spTree>
     <p:extLst>
       <p:ext uri="{BB962C8B-B14F-4D97-AF65-F5344CB8AC3E}">
-        <p14:creationId xmlns:p14="http://schemas.microsoft.com/office/powerpoint/2010/main" val="217674488"/>
+        <p14:creationId xmlns:p14="http://schemas.microsoft.com/office/powerpoint/2010/main" val="1483249377"/>
       </p:ext>
     </p:extLst>
   </p:cSld>
@@ -6980,6 +7059,151 @@
 </file>
 
 <file path=ppt/slides/slide14.xml><?xml version="1.0" encoding="utf-8"?>
+<p:sld xmlns:a="http://schemas.openxmlformats.org/drawingml/2006/main" xmlns:r="http://schemas.openxmlformats.org/officeDocument/2006/relationships" xmlns:p="http://schemas.openxmlformats.org/presentationml/2006/main">
+  <p:cSld>
+    <p:spTree>
+      <p:nvGrpSpPr>
+        <p:cNvPr id="1" name=""/>
+        <p:cNvGrpSpPr/>
+        <p:nvPr/>
+      </p:nvGrpSpPr>
+      <p:grpSpPr>
+        <a:xfrm>
+          <a:off x="0" y="0"/>
+          <a:ext cx="0" cy="0"/>
+          <a:chOff x="0" y="0"/>
+          <a:chExt cx="0" cy="0"/>
+        </a:xfrm>
+      </p:grpSpPr>
+      <p:sp>
+        <p:nvSpPr>
+          <p:cNvPr id="3" name="Content Placeholder 2">
+            <a:extLst>
+              <a:ext uri="{FF2B5EF4-FFF2-40B4-BE49-F238E27FC236}">
+                <a16:creationId xmlns:a16="http://schemas.microsoft.com/office/drawing/2014/main" id="{1B64EDA3-E1E4-4C1A-8D70-D5452DEBBC3C}"/>
+              </a:ext>
+            </a:extLst>
+          </p:cNvPr>
+          <p:cNvSpPr>
+            <a:spLocks noGrp="1"/>
+          </p:cNvSpPr>
+          <p:nvPr>
+            <p:ph idx="1"/>
+          </p:nvPr>
+        </p:nvSpPr>
+        <p:spPr>
+          <a:xfrm>
+            <a:off x="685800" y="752476"/>
+            <a:ext cx="10820400" cy="6105524"/>
+          </a:xfrm>
+        </p:spPr>
+        <p:txBody>
+          <a:bodyPr>
+            <a:normAutofit fontScale="77500" lnSpcReduction="20000"/>
+          </a:bodyPr>
+          <a:lstStyle/>
+          <a:p>
+            <a:pPr marL="0" indent="0">
+              <a:buNone/>
+            </a:pPr>
+            <a:r>
+              <a:rPr lang="en-US" sz="2800" dirty="0"/>
+              <a:t>Models will be evaluated using the F1 Score.</a:t>
+            </a:r>
+          </a:p>
+          <a:p>
+            <a:pPr marL="0" indent="0">
+              <a:buNone/>
+            </a:pPr>
+            <a:endParaRPr lang="en-US" sz="1200" dirty="0"/>
+          </a:p>
+          <a:p>
+            <a:pPr marL="0" indent="0" algn="ctr">
+              <a:buNone/>
+            </a:pPr>
+            <a:r>
+              <a:rPr lang="en-US" sz="2800" b="1" dirty="0"/>
+              <a:t>What is an F1 Score?</a:t>
+            </a:r>
+            <a:endParaRPr lang="en-US" sz="2800" dirty="0"/>
+          </a:p>
+          <a:p>
+            <a:pPr marL="0" indent="0">
+              <a:buNone/>
+            </a:pPr>
+            <a:r>
+              <a:rPr lang="en-US" sz="2800" dirty="0"/>
+              <a:t>The F1 score is a metric produced by the candidate models and used as an evaluation tool to compare the accuracy of the results.</a:t>
+            </a:r>
+          </a:p>
+          <a:p>
+            <a:pPr marL="0" indent="0">
+              <a:buNone/>
+            </a:pPr>
+            <a:endParaRPr lang="en-US" sz="1200" dirty="0"/>
+          </a:p>
+          <a:p>
+            <a:pPr marL="0" indent="0">
+              <a:buNone/>
+            </a:pPr>
+            <a:r>
+              <a:rPr lang="en-US" sz="2800" dirty="0"/>
+              <a:t>The F1 score is the harmonic mean of precision and recall. In other words, extreme poor performance of recall or precision (rather inversely related) will penalize the F1 score.</a:t>
+            </a:r>
+          </a:p>
+          <a:p>
+            <a:pPr marL="0" indent="0">
+              <a:buNone/>
+            </a:pPr>
+            <a:endParaRPr lang="en-US" sz="1200" dirty="0"/>
+          </a:p>
+          <a:p>
+            <a:pPr marL="0" indent="0">
+              <a:buNone/>
+            </a:pPr>
+            <a:r>
+              <a:rPr lang="en-US" sz="2800" dirty="0"/>
+              <a:t>For example, if every tweet  was labeled a disaster, the recall would be 1 (the highest) because every disaster was identified, but precision would be low since many non disasters were labeled as disasters. In contrast, if every tweet was labeled as not a disaster, except one correctly labeled disaster tweet, precision would be 1 because for every positively labeled observation was correct, but recall would be low since many truly positive observations were missed. In either situation, the F1 score would be very low due to the poor performance of the other metric.</a:t>
+            </a:r>
+          </a:p>
+          <a:p>
+            <a:pPr marL="0" indent="0">
+              <a:buNone/>
+            </a:pPr>
+            <a:endParaRPr lang="en-US" sz="1100" dirty="0"/>
+          </a:p>
+          <a:p>
+            <a:pPr marL="0" indent="0">
+              <a:buNone/>
+            </a:pPr>
+            <a:r>
+              <a:rPr lang="en-US" sz="2800" dirty="0"/>
+              <a:t>You can see where a balance in this scenario is desirable. If too many tweets were incorrectly labeled as disasters, time and resources investigating the event would be wasted. However, if the model continuously missed  labeled disastrous events as not a disaster, then quick response time is lost.</a:t>
+            </a:r>
+            <a:endParaRPr lang="en-US" dirty="0"/>
+          </a:p>
+          <a:p>
+            <a:pPr marL="0" indent="0">
+              <a:buNone/>
+            </a:pPr>
+            <a:endParaRPr lang="en-US" dirty="0"/>
+          </a:p>
+        </p:txBody>
+      </p:sp>
+    </p:spTree>
+    <p:extLst>
+      <p:ext uri="{BB962C8B-B14F-4D97-AF65-F5344CB8AC3E}">
+        <p14:creationId xmlns:p14="http://schemas.microsoft.com/office/powerpoint/2010/main" val="3632978592"/>
+      </p:ext>
+    </p:extLst>
+  </p:cSld>
+  <p:clrMapOvr>
+    <a:masterClrMapping/>
+  </p:clrMapOvr>
+</p:sld>
+</file>
+
+<file path=ppt/slides/slide15.xml><?xml version="1.0" encoding="utf-8"?>
 <p:sld xmlns:a="http://schemas.openxmlformats.org/drawingml/2006/main" xmlns:r="http://schemas.openxmlformats.org/officeDocument/2006/relationships" xmlns:p="http://schemas.openxmlformats.org/presentationml/2006/main">
   <p:cSld>
     <p:bg>
@@ -7100,7 +7324,7 @@
                   <a:srgbClr val="FFFFFF"/>
                 </a:solidFill>
               </a:rPr>
-              <a:t>Next Steps</a:t>
+              <a:t>Deployment</a:t>
             </a:r>
             <a:endParaRPr lang="en-US" dirty="0">
               <a:solidFill>
@@ -7113,7 +7337,7 @@
     </p:spTree>
     <p:extLst>
       <p:ext uri="{BB962C8B-B14F-4D97-AF65-F5344CB8AC3E}">
-        <p14:creationId xmlns:p14="http://schemas.microsoft.com/office/powerpoint/2010/main" val="3686573210"/>
+        <p14:creationId xmlns:p14="http://schemas.microsoft.com/office/powerpoint/2010/main" val="217674488"/>
       </p:ext>
     </p:extLst>
   </p:cSld>
@@ -7123,7 +7347,7 @@
 </p:sld>
 </file>
 
-<file path=ppt/slides/slide15.xml><?xml version="1.0" encoding="utf-8"?>
+<file path=ppt/slides/slide16.xml><?xml version="1.0" encoding="utf-8"?>
 <p:sld xmlns:a="http://schemas.openxmlformats.org/drawingml/2006/main" xmlns:r="http://schemas.openxmlformats.org/officeDocument/2006/relationships" xmlns:p="http://schemas.openxmlformats.org/presentationml/2006/main">
   <p:cSld>
     <p:spTree>
@@ -7145,7 +7369,7 @@
           <p:cNvPr id="2" name="Title 1">
             <a:extLst>
               <a:ext uri="{FF2B5EF4-FFF2-40B4-BE49-F238E27FC236}">
-                <a16:creationId xmlns:a16="http://schemas.microsoft.com/office/drawing/2014/main" id="{3D77A44F-98A9-4520-A785-22D27983B42E}"/>
+                <a16:creationId xmlns:a16="http://schemas.microsoft.com/office/drawing/2014/main" id="{C4F8151C-9B4F-47D8-B7DD-16925EC71C76}"/>
               </a:ext>
             </a:extLst>
           </p:cNvPr>
@@ -7161,10 +7385,227 @@
           <a:bodyPr/>
           <a:lstStyle/>
           <a:p>
+            <a:r>
+              <a:rPr lang="en-US" dirty="0"/>
+              <a:t>Notes about Deployment</a:t>
+            </a:r>
+          </a:p>
+        </p:txBody>
+      </p:sp>
+      <p:sp>
+        <p:nvSpPr>
+          <p:cNvPr id="3" name="Content Placeholder 2">
+            <a:extLst>
+              <a:ext uri="{FF2B5EF4-FFF2-40B4-BE49-F238E27FC236}">
+                <a16:creationId xmlns:a16="http://schemas.microsoft.com/office/drawing/2014/main" id="{33DA0362-0151-478E-B55E-29627C000215}"/>
+              </a:ext>
+            </a:extLst>
+          </p:cNvPr>
+          <p:cNvSpPr>
+            <a:spLocks noGrp="1"/>
+          </p:cNvSpPr>
+          <p:nvPr>
+            <p:ph idx="1"/>
+          </p:nvPr>
+        </p:nvSpPr>
+        <p:spPr/>
+        <p:txBody>
+          <a:bodyPr/>
+          <a:lstStyle/>
+          <a:p>
+            <a:r>
+              <a:rPr lang="en-US" dirty="0"/>
+              <a:t>Text Preprocessing took a long time for both the train and test files. </a:t>
+            </a:r>
+          </a:p>
+          <a:p>
+            <a:r>
+              <a:rPr lang="en-US" dirty="0"/>
+              <a:t>Due to the nature of the tweets and business objectives, an online learning approach would be necessary so that the model can incrementally learn as tweets arrive.</a:t>
+            </a:r>
+          </a:p>
+          <a:p>
+            <a:r>
+              <a:rPr lang="en-US" dirty="0"/>
+              <a:t>Small, mini batches should be fed to the system to reduce text preprocessing computation.</a:t>
+            </a:r>
+          </a:p>
+        </p:txBody>
+      </p:sp>
+    </p:spTree>
+    <p:extLst>
+      <p:ext uri="{BB962C8B-B14F-4D97-AF65-F5344CB8AC3E}">
+        <p14:creationId xmlns:p14="http://schemas.microsoft.com/office/powerpoint/2010/main" val="1741403036"/>
+      </p:ext>
+    </p:extLst>
+  </p:cSld>
+  <p:clrMapOvr>
+    <a:masterClrMapping/>
+  </p:clrMapOvr>
+</p:sld>
+</file>
+
+<file path=ppt/slides/slide17.xml><?xml version="1.0" encoding="utf-8"?>
+<p:sld xmlns:a="http://schemas.openxmlformats.org/drawingml/2006/main" xmlns:r="http://schemas.openxmlformats.org/officeDocument/2006/relationships" xmlns:p="http://schemas.openxmlformats.org/presentationml/2006/main">
+  <p:cSld>
+    <p:bg>
+      <p:bgPr>
+        <a:solidFill>
+          <a:schemeClr val="bg1"/>
+        </a:solidFill>
+        <a:effectLst/>
+      </p:bgPr>
+    </p:bg>
+    <p:spTree>
+      <p:nvGrpSpPr>
+        <p:cNvPr id="1" name=""/>
+        <p:cNvGrpSpPr/>
+        <p:nvPr/>
+      </p:nvGrpSpPr>
+      <p:grpSpPr>
+        <a:xfrm>
+          <a:off x="0" y="0"/>
+          <a:ext cx="0" cy="0"/>
+          <a:chOff x="0" y="0"/>
+          <a:chExt cx="0" cy="0"/>
+        </a:xfrm>
+      </p:grpSpPr>
+      <p:sp useBgFill="1">
+        <p:nvSpPr>
+          <p:cNvPr id="21" name="Rectangle 20">
+            <a:extLst>
+              <a:ext uri="{FF2B5EF4-FFF2-40B4-BE49-F238E27FC236}">
+                <a16:creationId xmlns:a16="http://schemas.microsoft.com/office/drawing/2014/main" id="{A748C37F-F131-4D08-AF22-A4F34E2A7D97}"/>
+              </a:ext>
+              <a:ext uri="{C183D7F6-B498-43B3-948B-1728B52AA6E4}">
+                <adec:decorative xmlns:adec="http://schemas.microsoft.com/office/drawing/2017/decorative" val="1"/>
+              </a:ext>
+            </a:extLst>
+          </p:cNvPr>
+          <p:cNvSpPr>
+            <a:spLocks noGrp="1" noRot="1" noChangeAspect="1" noMove="1" noResize="1" noEditPoints="1" noAdjustHandles="1" noChangeArrowheads="1" noChangeShapeType="1" noTextEdit="1"/>
+          </p:cNvSpPr>
+          <p:nvPr>
+            <p:extLst>
+              <p:ext uri="{386F3935-93C4-4BCD-93E2-E3B085C9AB24}">
+                <p16:designElem xmlns:p16="http://schemas.microsoft.com/office/powerpoint/2015/main" val="1"/>
+              </p:ext>
+            </p:extLst>
+          </p:nvPr>
+        </p:nvSpPr>
+        <p:spPr>
+          <a:xfrm>
+            <a:off x="0" y="0"/>
+            <a:ext cx="12192000" cy="6858000"/>
+          </a:xfrm>
+          <a:prstGeom prst="rect">
+            <a:avLst/>
+          </a:prstGeom>
+          <a:ln>
+            <a:noFill/>
+          </a:ln>
+          <a:effectLst/>
+        </p:spPr>
+        <p:style>
+          <a:lnRef idx="2">
+            <a:schemeClr val="accent1">
+              <a:shade val="50000"/>
+            </a:schemeClr>
+          </a:lnRef>
+          <a:fillRef idx="1003">
+            <a:schemeClr val="dk1"/>
+          </a:fillRef>
+          <a:effectRef idx="0">
+            <a:schemeClr val="accent1"/>
+          </a:effectRef>
+          <a:fontRef idx="minor">
+            <a:schemeClr val="lt1"/>
+          </a:fontRef>
+        </p:style>
+        <p:txBody>
+          <a:bodyPr rtlCol="0" anchor="ctr"/>
+          <a:lstStyle/>
+          <a:p>
+            <a:pPr algn="ctr"/>
             <a:endParaRPr lang="en-US"/>
           </a:p>
         </p:txBody>
       </p:sp>
+      <p:sp>
+        <p:nvSpPr>
+          <p:cNvPr id="2" name="Title 1">
+            <a:extLst>
+              <a:ext uri="{FF2B5EF4-FFF2-40B4-BE49-F238E27FC236}">
+                <a16:creationId xmlns:a16="http://schemas.microsoft.com/office/drawing/2014/main" id="{A0578BE1-52D3-4185-943A-7520C64349EB}"/>
+              </a:ext>
+            </a:extLst>
+          </p:cNvPr>
+          <p:cNvSpPr>
+            <a:spLocks noGrp="1"/>
+          </p:cNvSpPr>
+          <p:nvPr>
+            <p:ph type="title"/>
+          </p:nvPr>
+        </p:nvSpPr>
+        <p:spPr>
+          <a:xfrm>
+            <a:off x="1212850" y="2573987"/>
+            <a:ext cx="9766300" cy="1293028"/>
+          </a:xfrm>
+        </p:spPr>
+        <p:txBody>
+          <a:bodyPr>
+            <a:normAutofit/>
+          </a:bodyPr>
+          <a:lstStyle/>
+          <a:p>
+            <a:pPr algn="ctr"/>
+            <a:r>
+              <a:rPr lang="en-US" sz="5400" dirty="0">
+                <a:solidFill>
+                  <a:srgbClr val="FFFFFF"/>
+                </a:solidFill>
+              </a:rPr>
+              <a:t>Next Steps</a:t>
+            </a:r>
+            <a:endParaRPr lang="en-US" dirty="0">
+              <a:solidFill>
+                <a:srgbClr val="FFFFFF"/>
+              </a:solidFill>
+            </a:endParaRPr>
+          </a:p>
+        </p:txBody>
+      </p:sp>
+    </p:spTree>
+    <p:extLst>
+      <p:ext uri="{BB962C8B-B14F-4D97-AF65-F5344CB8AC3E}">
+        <p14:creationId xmlns:p14="http://schemas.microsoft.com/office/powerpoint/2010/main" val="3686573210"/>
+      </p:ext>
+    </p:extLst>
+  </p:cSld>
+  <p:clrMapOvr>
+    <a:masterClrMapping/>
+  </p:clrMapOvr>
+</p:sld>
+</file>
+
+<file path=ppt/slides/slide18.xml><?xml version="1.0" encoding="utf-8"?>
+<p:sld xmlns:a="http://schemas.openxmlformats.org/drawingml/2006/main" xmlns:r="http://schemas.openxmlformats.org/officeDocument/2006/relationships" xmlns:p="http://schemas.openxmlformats.org/presentationml/2006/main">
+  <p:cSld>
+    <p:spTree>
+      <p:nvGrpSpPr>
+        <p:cNvPr id="1" name=""/>
+        <p:cNvGrpSpPr/>
+        <p:nvPr/>
+      </p:nvGrpSpPr>
+      <p:grpSpPr>
+        <a:xfrm>
+          <a:off x="0" y="0"/>
+          <a:ext cx="0" cy="0"/>
+          <a:chOff x="0" y="0"/>
+          <a:chExt cx="0" cy="0"/>
+        </a:xfrm>
+      </p:grpSpPr>
       <p:sp>
         <p:nvSpPr>
           <p:cNvPr id="3" name="Content Placeholder 2">
@@ -7188,16 +7629,19 @@
           <a:p>
             <a:r>
               <a:rPr lang="en-US" dirty="0"/>
-              <a:t>Data range – identify what might other sources of information might be available at the time a tweet is posted to help identify and validate the possibility of a disaster occurring</a:t>
+              <a:t>Combine additional data. The given data set doesn’t have a date range to attempt to join additional information on but having this information may provide good ideas as to what other datasets can contain stronger predictive power.</a:t>
             </a:r>
           </a:p>
           <a:p>
             <a:r>
               <a:rPr lang="en-US" dirty="0"/>
-              <a:t>Specify strict requirements of what constitutes as a disaster – better labeling of the test data so we can more clearly fit a model.</a:t>
-            </a:r>
-          </a:p>
-          <a:p>
+              <a:t>Define the business objective further. A news media outlet and an emergency response team would be more interested in more specific disaster related instances. For example, a California police squad is more interested in situations that indicate violence or criminal activity. A news outlet has a broader scope then this example.</a:t>
+            </a:r>
+          </a:p>
+          <a:p>
+            <a:pPr marL="0" indent="0">
+              <a:buNone/>
+            </a:pPr>
             <a:endParaRPr lang="en-US" dirty="0"/>
           </a:p>
         </p:txBody>
@@ -8149,7 +8593,7 @@
           <p:cNvPr id="2" name="Title 1">
             <a:extLst>
               <a:ext uri="{FF2B5EF4-FFF2-40B4-BE49-F238E27FC236}">
-                <a16:creationId xmlns:a16="http://schemas.microsoft.com/office/drawing/2014/main" id="{A88D95D1-CACC-4B0D-AD7B-5155EF251937}"/>
+                <a16:creationId xmlns:a16="http://schemas.microsoft.com/office/drawing/2014/main" id="{FE52460A-EE7C-4BC8-9144-41E7417131C1}"/>
               </a:ext>
             </a:extLst>
           </p:cNvPr>
@@ -8167,7 +8611,7 @@
           <a:p>
             <a:r>
               <a:rPr lang="en-US" dirty="0"/>
-              <a:t>Examples:</a:t>
+              <a:t>Data dictionary</a:t>
             </a:r>
           </a:p>
         </p:txBody>
@@ -8177,7 +8621,7 @@
           <p:cNvPr id="3" name="Content Placeholder 2">
             <a:extLst>
               <a:ext uri="{FF2B5EF4-FFF2-40B4-BE49-F238E27FC236}">
-                <a16:creationId xmlns:a16="http://schemas.microsoft.com/office/drawing/2014/main" id="{626829CA-D358-49E0-AA30-5DA4DDFBFCC1}"/>
+                <a16:creationId xmlns:a16="http://schemas.microsoft.com/office/drawing/2014/main" id="{0B66FC50-96D4-4FA6-8CE6-B641A9BD88A1}"/>
               </a:ext>
             </a:extLst>
           </p:cNvPr>
@@ -8190,97 +8634,44 @@
         </p:nvSpPr>
         <p:spPr/>
         <p:txBody>
-          <a:bodyPr>
-            <a:normAutofit lnSpcReduction="10000"/>
-          </a:bodyPr>
-          <a:lstStyle/>
-          <a:p>
-            <a:pPr marL="0" indent="0">
-              <a:buNone/>
-            </a:pPr>
-            <a:r>
-              <a:rPr lang="en-US" sz="3200" dirty="0"/>
-              <a:t>Tweets labeled as a disaster:</a:t>
-            </a:r>
-          </a:p>
+          <a:bodyPr/>
+          <a:lstStyle/>
           <a:p>
             <a:r>
               <a:rPr lang="en-US" dirty="0"/>
-              <a:t>“Usama bin </a:t>
-            </a:r>
-            <a:r>
-              <a:rPr lang="en-US" dirty="0" err="1"/>
-              <a:t>Ladins</a:t>
-            </a:r>
+              <a:t>ID – Unique identifier for each tweet</a:t>
+            </a:r>
+          </a:p>
+          <a:p>
             <a:r>
               <a:rPr lang="en-US" dirty="0"/>
-              <a:t> family dead in airplane crash. Naturally no accident.”</a:t>
+              <a:t>Text – the text of the tweet</a:t>
             </a:r>
           </a:p>
           <a:p>
             <a:r>
               <a:rPr lang="en-US" dirty="0"/>
-              <a:t>“'CALIFORNIA IS BURNING:' Gov. Jerry Brown told reporters at a press conference that California is experiencing... [URL]”</a:t>
+              <a:t>Location – location the tweet was sent from (contains null values)</a:t>
             </a:r>
           </a:p>
           <a:p>
             <a:r>
               <a:rPr lang="en-US" dirty="0"/>
-              <a:t>“70 years ago at this hour the USA A-bombed Hiroshima therein killing 200000 civilians. Never forget the crime and never repeat. Peace ??”</a:t>
-            </a:r>
-          </a:p>
-          <a:p>
-            <a:pPr marL="0" indent="0">
-              <a:buNone/>
-            </a:pPr>
-            <a:r>
-              <a:rPr lang="en-US" sz="3200" dirty="0"/>
-              <a:t>Tweets labeled as not a disaster:</a:t>
+              <a:t>Keyword – a keyword from the tweet (contains null values)</a:t>
             </a:r>
           </a:p>
           <a:p>
             <a:r>
               <a:rPr lang="en-US" dirty="0"/>
-              <a:t>“Summer is lovely”</a:t>
-            </a:r>
-          </a:p>
-          <a:p>
-            <a:r>
-              <a:rPr lang="en-US" dirty="0"/>
-              <a:t>“'Nobody remembers who came in second.' Charles Schulz”</a:t>
-            </a:r>
-          </a:p>
-          <a:p>
-            <a:r>
-              <a:rPr lang="en-US" dirty="0"/>
-              <a:t>“I'm not </a:t>
-            </a:r>
-            <a:r>
-              <a:rPr lang="en-US" dirty="0" err="1"/>
-              <a:t>gonna</a:t>
-            </a:r>
-            <a:r>
-              <a:rPr lang="en-US" dirty="0"/>
-              <a:t> lie I'm </a:t>
-            </a:r>
-            <a:r>
-              <a:rPr lang="en-US" dirty="0" err="1"/>
-              <a:t>kinda</a:t>
-            </a:r>
-            <a:r>
-              <a:rPr lang="en-US" dirty="0"/>
-              <a:t> ready to attack my Senior year ??????????”</a:t>
-            </a:r>
-          </a:p>
-          <a:p>
-            <a:endParaRPr lang="en-US" dirty="0"/>
+              <a:t>Target – only in train.csv, indicates if the tweet is about a real disaster, binary (0 or 1, 1 indicates a positive real disaster)</a:t>
+            </a:r>
           </a:p>
         </p:txBody>
       </p:sp>
     </p:spTree>
     <p:extLst>
       <p:ext uri="{BB962C8B-B14F-4D97-AF65-F5344CB8AC3E}">
-        <p14:creationId xmlns:p14="http://schemas.microsoft.com/office/powerpoint/2010/main" val="2756394870"/>
+        <p14:creationId xmlns:p14="http://schemas.microsoft.com/office/powerpoint/2010/main" val="1956581619"/>
       </p:ext>
     </p:extLst>
   </p:cSld>
@@ -8293,14 +8684,6 @@
 <file path=ppt/slides/slide9.xml><?xml version="1.0" encoding="utf-8"?>
 <p:sld xmlns:a="http://schemas.openxmlformats.org/drawingml/2006/main" xmlns:r="http://schemas.openxmlformats.org/officeDocument/2006/relationships" xmlns:p="http://schemas.openxmlformats.org/presentationml/2006/main">
   <p:cSld>
-    <p:bg>
-      <p:bgPr>
-        <a:solidFill>
-          <a:schemeClr val="bg1"/>
-        </a:solidFill>
-        <a:effectLst/>
-      </p:bgPr>
-    </p:bg>
     <p:spTree>
       <p:nvGrpSpPr>
         <p:cNvPr id="1" name=""/>
@@ -8315,73 +8698,40 @@
           <a:chExt cx="0" cy="0"/>
         </a:xfrm>
       </p:grpSpPr>
-      <p:sp useBgFill="1">
-        <p:nvSpPr>
-          <p:cNvPr id="21" name="Rectangle 20">
+      <p:sp>
+        <p:nvSpPr>
+          <p:cNvPr id="2" name="Title 1">
             <a:extLst>
               <a:ext uri="{FF2B5EF4-FFF2-40B4-BE49-F238E27FC236}">
-                <a16:creationId xmlns:a16="http://schemas.microsoft.com/office/drawing/2014/main" id="{A748C37F-F131-4D08-AF22-A4F34E2A7D97}"/>
-              </a:ext>
-              <a:ext uri="{C183D7F6-B498-43B3-948B-1728B52AA6E4}">
-                <adec:decorative xmlns:adec="http://schemas.microsoft.com/office/drawing/2017/decorative" val="1"/>
+                <a16:creationId xmlns:a16="http://schemas.microsoft.com/office/drawing/2014/main" id="{A88D95D1-CACC-4B0D-AD7B-5155EF251937}"/>
               </a:ext>
             </a:extLst>
           </p:cNvPr>
           <p:cNvSpPr>
-            <a:spLocks noGrp="1" noRot="1" noChangeAspect="1" noMove="1" noResize="1" noEditPoints="1" noAdjustHandles="1" noChangeArrowheads="1" noChangeShapeType="1" noTextEdit="1"/>
-          </p:cNvSpPr>
-          <p:nvPr>
-            <p:extLst>
-              <p:ext uri="{386F3935-93C4-4BCD-93E2-E3B085C9AB24}">
-                <p16:designElem xmlns:p16="http://schemas.microsoft.com/office/powerpoint/2015/main" val="1"/>
-              </p:ext>
-            </p:extLst>
-          </p:nvPr>
-        </p:nvSpPr>
-        <p:spPr>
-          <a:xfrm>
-            <a:off x="0" y="0"/>
-            <a:ext cx="12192000" cy="6858000"/>
-          </a:xfrm>
-          <a:prstGeom prst="rect">
-            <a:avLst/>
-          </a:prstGeom>
-          <a:ln>
-            <a:noFill/>
-          </a:ln>
-          <a:effectLst/>
-        </p:spPr>
-        <p:style>
-          <a:lnRef idx="2">
-            <a:schemeClr val="accent1">
-              <a:shade val="50000"/>
-            </a:schemeClr>
-          </a:lnRef>
-          <a:fillRef idx="1003">
-            <a:schemeClr val="dk1"/>
-          </a:fillRef>
-          <a:effectRef idx="0">
-            <a:schemeClr val="accent1"/>
-          </a:effectRef>
-          <a:fontRef idx="minor">
-            <a:schemeClr val="lt1"/>
-          </a:fontRef>
-        </p:style>
-        <p:txBody>
-          <a:bodyPr rtlCol="0" anchor="ctr"/>
-          <a:lstStyle/>
-          <a:p>
-            <a:pPr algn="ctr"/>
-            <a:endParaRPr lang="en-US"/>
-          </a:p>
-        </p:txBody>
-      </p:sp>
-      <p:sp>
-        <p:nvSpPr>
-          <p:cNvPr id="2" name="Title 1">
+            <a:spLocks noGrp="1"/>
+          </p:cNvSpPr>
+          <p:nvPr>
+            <p:ph type="title"/>
+          </p:nvPr>
+        </p:nvSpPr>
+        <p:spPr/>
+        <p:txBody>
+          <a:bodyPr/>
+          <a:lstStyle/>
+          <a:p>
+            <a:r>
+              <a:rPr lang="en-US" dirty="0"/>
+              <a:t>Examples:</a:t>
+            </a:r>
+          </a:p>
+        </p:txBody>
+      </p:sp>
+      <p:sp>
+        <p:nvSpPr>
+          <p:cNvPr id="3" name="Content Placeholder 2">
             <a:extLst>
               <a:ext uri="{FF2B5EF4-FFF2-40B4-BE49-F238E27FC236}">
-                <a16:creationId xmlns:a16="http://schemas.microsoft.com/office/drawing/2014/main" id="{A0578BE1-52D3-4185-943A-7520C64349EB}"/>
+                <a16:creationId xmlns:a16="http://schemas.microsoft.com/office/drawing/2014/main" id="{626829CA-D358-49E0-AA30-5DA4DDFBFCC1}"/>
               </a:ext>
             </a:extLst>
           </p:cNvPr>
@@ -8389,58 +8739,102 @@
             <a:spLocks noGrp="1"/>
           </p:cNvSpPr>
           <p:nvPr>
-            <p:ph type="title"/>
-          </p:nvPr>
-        </p:nvSpPr>
-        <p:spPr>
-          <a:xfrm>
-            <a:off x="1212850" y="2573987"/>
-            <a:ext cx="9766300" cy="1293028"/>
-          </a:xfrm>
-        </p:spPr>
+            <p:ph idx="1"/>
+          </p:nvPr>
+        </p:nvSpPr>
+        <p:spPr/>
         <p:txBody>
           <a:bodyPr>
-            <a:normAutofit/>
+            <a:normAutofit lnSpcReduction="10000"/>
           </a:bodyPr>
           <a:lstStyle/>
           <a:p>
-            <a:pPr algn="ctr"/>
-            <a:r>
-              <a:rPr lang="en-US" sz="5400" dirty="0">
-                <a:solidFill>
-                  <a:srgbClr val="FFFFFF"/>
-                </a:solidFill>
-              </a:rPr>
-              <a:t>Data</a:t>
-            </a:r>
-            <a:r>
-              <a:rPr lang="en-US" dirty="0">
-                <a:solidFill>
-                  <a:srgbClr val="FFFFFF"/>
-                </a:solidFill>
-              </a:rPr>
-              <a:t> </a:t>
-            </a:r>
-            <a:r>
-              <a:rPr lang="en-US" sz="5400" dirty="0">
-                <a:solidFill>
-                  <a:srgbClr val="FFFFFF"/>
-                </a:solidFill>
-              </a:rPr>
-              <a:t>Preparation</a:t>
-            </a:r>
-            <a:endParaRPr lang="en-US" dirty="0">
-              <a:solidFill>
-                <a:srgbClr val="FFFFFF"/>
-              </a:solidFill>
-            </a:endParaRPr>
+            <a:pPr marL="0" indent="0">
+              <a:buNone/>
+            </a:pPr>
+            <a:r>
+              <a:rPr lang="en-US" sz="3200" dirty="0"/>
+              <a:t>Tweets labeled as a disaster:</a:t>
+            </a:r>
+          </a:p>
+          <a:p>
+            <a:r>
+              <a:rPr lang="en-US" dirty="0"/>
+              <a:t>“Usama bin </a:t>
+            </a:r>
+            <a:r>
+              <a:rPr lang="en-US" dirty="0" err="1"/>
+              <a:t>Ladins</a:t>
+            </a:r>
+            <a:r>
+              <a:rPr lang="en-US" dirty="0"/>
+              <a:t> family dead in airplane crash. Naturally no accident.”</a:t>
+            </a:r>
+          </a:p>
+          <a:p>
+            <a:r>
+              <a:rPr lang="en-US" dirty="0"/>
+              <a:t>“'CALIFORNIA IS BURNING:' Gov. Jerry Brown told reporters at a press conference that California is experiencing... [URL]”</a:t>
+            </a:r>
+          </a:p>
+          <a:p>
+            <a:r>
+              <a:rPr lang="en-US" dirty="0"/>
+              <a:t>“70 years ago at this hour the USA A-bombed Hiroshima therein killing 200000 civilians. Never forget the crime and never repeat. Peace ??”</a:t>
+            </a:r>
+          </a:p>
+          <a:p>
+            <a:pPr marL="0" indent="0">
+              <a:buNone/>
+            </a:pPr>
+            <a:r>
+              <a:rPr lang="en-US" sz="3200" dirty="0"/>
+              <a:t>Tweets labeled as not a disaster:</a:t>
+            </a:r>
+          </a:p>
+          <a:p>
+            <a:r>
+              <a:rPr lang="en-US" dirty="0"/>
+              <a:t>“Summer is lovely”</a:t>
+            </a:r>
+          </a:p>
+          <a:p>
+            <a:r>
+              <a:rPr lang="en-US" dirty="0"/>
+              <a:t>“'Nobody remembers who came in second.' Charles Schulz”</a:t>
+            </a:r>
+          </a:p>
+          <a:p>
+            <a:r>
+              <a:rPr lang="en-US" dirty="0"/>
+              <a:t>“I'm not </a:t>
+            </a:r>
+            <a:r>
+              <a:rPr lang="en-US" dirty="0" err="1"/>
+              <a:t>gonna</a:t>
+            </a:r>
+            <a:r>
+              <a:rPr lang="en-US" dirty="0"/>
+              <a:t> lie I'm </a:t>
+            </a:r>
+            <a:r>
+              <a:rPr lang="en-US" dirty="0" err="1"/>
+              <a:t>kinda</a:t>
+            </a:r>
+            <a:r>
+              <a:rPr lang="en-US" dirty="0"/>
+              <a:t> ready to attack my Senior year ??????????”</a:t>
+            </a:r>
+          </a:p>
+          <a:p>
+            <a:endParaRPr lang="en-US" dirty="0"/>
           </a:p>
         </p:txBody>
       </p:sp>
     </p:spTree>
     <p:extLst>
       <p:ext uri="{BB962C8B-B14F-4D97-AF65-F5344CB8AC3E}">
-        <p14:creationId xmlns:p14="http://schemas.microsoft.com/office/powerpoint/2010/main" val="820791637"/>
+        <p14:creationId xmlns:p14="http://schemas.microsoft.com/office/powerpoint/2010/main" val="2756394870"/>
       </p:ext>
     </p:extLst>
   </p:cSld>
